--- a/01.Introduction/1.Oracle Fusion Technical - BI,OTBI,BICC,FRS,SmartView & More - Course Preview/Oracle Fusion Technical - BI,OTBI,BICC,FRS,SmartView & More.pptx
+++ b/01.Introduction/1.Oracle Fusion Technical - BI,OTBI,BICC,FRS,SmartView & More - Course Preview/Oracle Fusion Technical - BI,OTBI,BICC,FRS,SmartView & More.pptx
@@ -10910,7 +10910,7 @@
         <p:spPr>
           <a:xfrm>
             <a:off x="0" y="0"/>
-            <a:ext cx="9141120" cy="484920"/>
+            <a:ext cx="9140040" cy="483840"/>
           </a:xfrm>
           <a:prstGeom prst="rect">
             <a:avLst/>
@@ -10937,10 +10937,10 @@
         </p:nvGrpSpPr>
         <p:grpSpPr>
           <a:xfrm>
-            <a:off x="830520" y="1193760"/>
-            <a:ext cx="742680" cy="42840"/>
-            <a:chOff x="830520" y="1193760"/>
-            <a:chExt cx="742680" cy="42840"/>
+            <a:off x="830520" y="1194840"/>
+            <a:ext cx="741600" cy="41760"/>
+            <a:chOff x="830520" y="1194840"/>
+            <a:chExt cx="741600" cy="41760"/>
           </a:xfrm>
         </p:grpSpPr>
         <p:sp>
@@ -10951,8 +10951,8 @@
           </p:nvSpPr>
           <p:spPr>
             <a:xfrm rot="16200000">
-              <a:off x="1366560" y="1029960"/>
-              <a:ext cx="42840" cy="370080"/>
+              <a:off x="1366560" y="1031040"/>
+              <a:ext cx="41760" cy="369000"/>
             </a:xfrm>
             <a:prstGeom prst="rect">
               <a:avLst/>
@@ -10979,8 +10979,8 @@
           </p:nvSpPr>
           <p:spPr>
             <a:xfrm rot="16200000">
-              <a:off x="995400" y="1028520"/>
-              <a:ext cx="42840" cy="372960"/>
+              <a:off x="995400" y="1029600"/>
+              <a:ext cx="41760" cy="371880"/>
             </a:xfrm>
             <a:prstGeom prst="rect">
               <a:avLst/>
@@ -11269,7 +11269,7 @@
         <p:spPr>
           <a:xfrm>
             <a:off x="0" y="0"/>
-            <a:ext cx="4569120" cy="5140800"/>
+            <a:ext cx="4568040" cy="5139720"/>
           </a:xfrm>
           <a:prstGeom prst="rect">
             <a:avLst/>
@@ -11296,10 +11296,10 @@
         </p:nvGrpSpPr>
         <p:grpSpPr>
           <a:xfrm>
-            <a:off x="830520" y="1193760"/>
-            <a:ext cx="742680" cy="42840"/>
-            <a:chOff x="830520" y="1193760"/>
-            <a:chExt cx="742680" cy="42840"/>
+            <a:off x="830520" y="1194840"/>
+            <a:ext cx="741600" cy="41760"/>
+            <a:chOff x="830520" y="1194840"/>
+            <a:chExt cx="741600" cy="41760"/>
           </a:xfrm>
         </p:grpSpPr>
         <p:sp>
@@ -11310,8 +11310,8 @@
           </p:nvSpPr>
           <p:spPr>
             <a:xfrm rot="16200000">
-              <a:off x="1366560" y="1029960"/>
-              <a:ext cx="42840" cy="370080"/>
+              <a:off x="1366560" y="1031040"/>
+              <a:ext cx="41760" cy="369000"/>
             </a:xfrm>
             <a:prstGeom prst="rect">
               <a:avLst/>
@@ -11338,8 +11338,8 @@
           </p:nvSpPr>
           <p:spPr>
             <a:xfrm rot="16200000">
-              <a:off x="995400" y="1028520"/>
-              <a:ext cx="42840" cy="372960"/>
+              <a:off x="995400" y="1029600"/>
+              <a:ext cx="41760" cy="371880"/>
             </a:xfrm>
             <a:prstGeom prst="rect">
               <a:avLst/>
@@ -11628,7 +11628,7 @@
         <p:spPr>
           <a:xfrm>
             <a:off x="0" y="0"/>
-            <a:ext cx="9141120" cy="484920"/>
+            <a:ext cx="9140040" cy="483840"/>
           </a:xfrm>
           <a:prstGeom prst="rect">
             <a:avLst/>
@@ -11655,10 +11655,10 @@
         </p:nvGrpSpPr>
         <p:grpSpPr>
           <a:xfrm>
-            <a:off x="830520" y="1193760"/>
-            <a:ext cx="742680" cy="42840"/>
-            <a:chOff x="830520" y="1193760"/>
-            <a:chExt cx="742680" cy="42840"/>
+            <a:off x="830520" y="1194840"/>
+            <a:ext cx="741600" cy="41760"/>
+            <a:chOff x="830520" y="1194840"/>
+            <a:chExt cx="741600" cy="41760"/>
           </a:xfrm>
         </p:grpSpPr>
         <p:sp>
@@ -11669,8 +11669,8 @@
           </p:nvSpPr>
           <p:spPr>
             <a:xfrm rot="16200000">
-              <a:off x="1366560" y="1029960"/>
-              <a:ext cx="42840" cy="370080"/>
+              <a:off x="1366560" y="1031040"/>
+              <a:ext cx="41760" cy="369000"/>
             </a:xfrm>
             <a:prstGeom prst="rect">
               <a:avLst/>
@@ -11697,8 +11697,8 @@
           </p:nvSpPr>
           <p:spPr>
             <a:xfrm rot="16200000">
-              <a:off x="995400" y="1028520"/>
-              <a:ext cx="42840" cy="372960"/>
+              <a:off x="995400" y="1029600"/>
+              <a:ext cx="41760" cy="371880"/>
             </a:xfrm>
             <a:prstGeom prst="rect">
               <a:avLst/>
@@ -12165,7 +12165,7 @@
         <p:spPr>
           <a:xfrm>
             <a:off x="0" y="0"/>
-            <a:ext cx="9141120" cy="484920"/>
+            <a:ext cx="9140040" cy="483840"/>
           </a:xfrm>
           <a:prstGeom prst="rect">
             <a:avLst/>
@@ -12192,10 +12192,10 @@
         </p:nvGrpSpPr>
         <p:grpSpPr>
           <a:xfrm>
-            <a:off x="830520" y="1193760"/>
-            <a:ext cx="742680" cy="42840"/>
-            <a:chOff x="830520" y="1193760"/>
-            <a:chExt cx="742680" cy="42840"/>
+            <a:off x="830520" y="1194840"/>
+            <a:ext cx="741600" cy="41760"/>
+            <a:chOff x="830520" y="1194840"/>
+            <a:chExt cx="741600" cy="41760"/>
           </a:xfrm>
         </p:grpSpPr>
         <p:sp>
@@ -12206,8 +12206,8 @@
           </p:nvSpPr>
           <p:spPr>
             <a:xfrm rot="16200000">
-              <a:off x="1366560" y="1029960"/>
-              <a:ext cx="42840" cy="370080"/>
+              <a:off x="1366560" y="1031040"/>
+              <a:ext cx="41760" cy="369000"/>
             </a:xfrm>
             <a:prstGeom prst="rect">
               <a:avLst/>
@@ -12234,8 +12234,8 @@
           </p:nvSpPr>
           <p:spPr>
             <a:xfrm rot="16200000">
-              <a:off x="995400" y="1028520"/>
-              <a:ext cx="42840" cy="372960"/>
+              <a:off x="995400" y="1029600"/>
+              <a:ext cx="41760" cy="371880"/>
             </a:xfrm>
             <a:prstGeom prst="rect">
               <a:avLst/>
@@ -12702,7 +12702,7 @@
         <p:spPr>
           <a:xfrm>
             <a:off x="0" y="0"/>
-            <a:ext cx="9141120" cy="484920"/>
+            <a:ext cx="9140040" cy="483840"/>
           </a:xfrm>
           <a:prstGeom prst="rect">
             <a:avLst/>
@@ -12729,10 +12729,10 @@
         </p:nvGrpSpPr>
         <p:grpSpPr>
           <a:xfrm>
-            <a:off x="830520" y="1193760"/>
-            <a:ext cx="742680" cy="42840"/>
-            <a:chOff x="830520" y="1193760"/>
-            <a:chExt cx="742680" cy="42840"/>
+            <a:off x="830520" y="1194840"/>
+            <a:ext cx="741600" cy="41760"/>
+            <a:chOff x="830520" y="1194840"/>
+            <a:chExt cx="741600" cy="41760"/>
           </a:xfrm>
         </p:grpSpPr>
         <p:sp>
@@ -12743,8 +12743,8 @@
           </p:nvSpPr>
           <p:spPr>
             <a:xfrm rot="16200000">
-              <a:off x="1366560" y="1029960"/>
-              <a:ext cx="42840" cy="370080"/>
+              <a:off x="1366560" y="1031040"/>
+              <a:ext cx="41760" cy="369000"/>
             </a:xfrm>
             <a:prstGeom prst="rect">
               <a:avLst/>
@@ -12771,8 +12771,8 @@
           </p:nvSpPr>
           <p:spPr>
             <a:xfrm rot="16200000">
-              <a:off x="995400" y="1028520"/>
-              <a:ext cx="42840" cy="372960"/>
+              <a:off x="995400" y="1029600"/>
+              <a:ext cx="41760" cy="371880"/>
             </a:xfrm>
             <a:prstGeom prst="rect">
               <a:avLst/>
@@ -13239,7 +13239,7 @@
         <p:spPr>
           <a:xfrm>
             <a:off x="0" y="0"/>
-            <a:ext cx="9141120" cy="484920"/>
+            <a:ext cx="9140040" cy="483840"/>
           </a:xfrm>
           <a:prstGeom prst="rect">
             <a:avLst/>
@@ -13266,10 +13266,10 @@
         </p:nvGrpSpPr>
         <p:grpSpPr>
           <a:xfrm>
-            <a:off x="830520" y="1193760"/>
-            <a:ext cx="742680" cy="42840"/>
-            <a:chOff x="830520" y="1193760"/>
-            <a:chExt cx="742680" cy="42840"/>
+            <a:off x="830520" y="1194840"/>
+            <a:ext cx="741600" cy="41760"/>
+            <a:chOff x="830520" y="1194840"/>
+            <a:chExt cx="741600" cy="41760"/>
           </a:xfrm>
         </p:grpSpPr>
         <p:sp>
@@ -13280,8 +13280,8 @@
           </p:nvSpPr>
           <p:spPr>
             <a:xfrm rot="16200000">
-              <a:off x="1366560" y="1029960"/>
-              <a:ext cx="42840" cy="370080"/>
+              <a:off x="1366560" y="1031040"/>
+              <a:ext cx="41760" cy="369000"/>
             </a:xfrm>
             <a:prstGeom prst="rect">
               <a:avLst/>
@@ -13308,8 +13308,8 @@
           </p:nvSpPr>
           <p:spPr>
             <a:xfrm rot="16200000">
-              <a:off x="995400" y="1028520"/>
-              <a:ext cx="42840" cy="372960"/>
+              <a:off x="995400" y="1029600"/>
+              <a:ext cx="41760" cy="371880"/>
             </a:xfrm>
             <a:prstGeom prst="rect">
               <a:avLst/>
@@ -13776,7 +13776,7 @@
         <p:spPr>
           <a:xfrm>
             <a:off x="0" y="0"/>
-            <a:ext cx="9141120" cy="484920"/>
+            <a:ext cx="9140040" cy="483840"/>
           </a:xfrm>
           <a:prstGeom prst="rect">
             <a:avLst/>
@@ -13803,10 +13803,10 @@
         </p:nvGrpSpPr>
         <p:grpSpPr>
           <a:xfrm>
-            <a:off x="830520" y="1193760"/>
-            <a:ext cx="742680" cy="42840"/>
-            <a:chOff x="830520" y="1193760"/>
-            <a:chExt cx="742680" cy="42840"/>
+            <a:off x="830520" y="1194840"/>
+            <a:ext cx="741600" cy="41760"/>
+            <a:chOff x="830520" y="1194840"/>
+            <a:chExt cx="741600" cy="41760"/>
           </a:xfrm>
         </p:grpSpPr>
         <p:sp>
@@ -13817,8 +13817,8 @@
           </p:nvSpPr>
           <p:spPr>
             <a:xfrm rot="16200000">
-              <a:off x="1366560" y="1029960"/>
-              <a:ext cx="42840" cy="370080"/>
+              <a:off x="1366560" y="1031040"/>
+              <a:ext cx="41760" cy="369000"/>
             </a:xfrm>
             <a:prstGeom prst="rect">
               <a:avLst/>
@@ -13845,8 +13845,8 @@
           </p:nvSpPr>
           <p:spPr>
             <a:xfrm rot="16200000">
-              <a:off x="995400" y="1028520"/>
-              <a:ext cx="42840" cy="372960"/>
+              <a:off x="995400" y="1029600"/>
+              <a:ext cx="41760" cy="371880"/>
             </a:xfrm>
             <a:prstGeom prst="rect">
               <a:avLst/>
@@ -14313,7 +14313,7 @@
         <p:spPr>
           <a:xfrm>
             <a:off x="0" y="0"/>
-            <a:ext cx="9141120" cy="484920"/>
+            <a:ext cx="9140040" cy="483840"/>
           </a:xfrm>
           <a:prstGeom prst="rect">
             <a:avLst/>
@@ -14340,10 +14340,10 @@
         </p:nvGrpSpPr>
         <p:grpSpPr>
           <a:xfrm>
-            <a:off x="830520" y="1193760"/>
-            <a:ext cx="742680" cy="42840"/>
-            <a:chOff x="830520" y="1193760"/>
-            <a:chExt cx="742680" cy="42840"/>
+            <a:off x="830520" y="1194840"/>
+            <a:ext cx="741600" cy="41760"/>
+            <a:chOff x="830520" y="1194840"/>
+            <a:chExt cx="741600" cy="41760"/>
           </a:xfrm>
         </p:grpSpPr>
         <p:sp>
@@ -14354,8 +14354,8 @@
           </p:nvSpPr>
           <p:spPr>
             <a:xfrm rot="16200000">
-              <a:off x="1366560" y="1029960"/>
-              <a:ext cx="42840" cy="370080"/>
+              <a:off x="1366560" y="1031040"/>
+              <a:ext cx="41760" cy="369000"/>
             </a:xfrm>
             <a:prstGeom prst="rect">
               <a:avLst/>
@@ -14382,8 +14382,8 @@
           </p:nvSpPr>
           <p:spPr>
             <a:xfrm rot="16200000">
-              <a:off x="995400" y="1028520"/>
-              <a:ext cx="42840" cy="372960"/>
+              <a:off x="995400" y="1029600"/>
+              <a:ext cx="41760" cy="371880"/>
             </a:xfrm>
             <a:prstGeom prst="rect">
               <a:avLst/>
@@ -14843,7 +14843,7 @@
         <p:spPr>
           <a:xfrm>
             <a:off x="274320" y="1332000"/>
-            <a:ext cx="8684280" cy="1661760"/>
+            <a:ext cx="8683200" cy="1660680"/>
           </a:xfrm>
           <a:prstGeom prst="rect">
             <a:avLst/>
@@ -14894,7 +14894,7 @@
         <p:spPr>
           <a:xfrm>
             <a:off x="2926080" y="3025800"/>
-            <a:ext cx="3198240" cy="538200"/>
+            <a:ext cx="3197160" cy="537120"/>
           </a:xfrm>
           <a:prstGeom prst="rect">
             <a:avLst/>
@@ -14975,7 +14975,7 @@
         <p:spPr>
           <a:xfrm>
             <a:off x="274320" y="1188720"/>
-            <a:ext cx="7502760" cy="532440"/>
+            <a:ext cx="7501680" cy="531360"/>
           </a:xfrm>
           <a:prstGeom prst="rect">
             <a:avLst/>
@@ -15026,7 +15026,7 @@
         <p:spPr>
           <a:xfrm>
             <a:off x="172440" y="1678680"/>
-            <a:ext cx="5769000" cy="3165480"/>
+            <a:ext cx="5767920" cy="3164400"/>
           </a:xfrm>
           <a:prstGeom prst="rect">
             <a:avLst/>
@@ -15047,7 +15047,7 @@
             <a:noAutofit/>
           </a:bodyPr>
           <a:p>
-            <a:pPr marL="457200" indent="-308160">
+            <a:pPr marL="457200" indent="-307080">
               <a:lnSpc>
                 <a:spcPct val="100000"/>
               </a:lnSpc>
@@ -15058,14 +15058,14 @@
               <a:buChar char=""/>
             </a:pPr>
             <a:r>
-              <a:rPr b="0" lang="en-US" sz="1300" spc="-1" strike="noStrike">
+              <a:rPr b="1" lang="en-US" sz="1300" spc="-1" strike="noStrike">
                 <a:solidFill>
                   <a:srgbClr val="595959"/>
                 </a:solidFill>
                 <a:latin typeface="Segoe Script"/>
                 <a:ea typeface="Lato"/>
               </a:rPr>
-              <a:t>Getting Started with SmartView</a:t>
+              <a:t>All about Smart View Reports!</a:t>
             </a:r>
             <a:endParaRPr b="0" lang="en-US" sz="1300" spc="-1" strike="noStrike">
               <a:latin typeface="Arial"/>
@@ -15082,7 +15082,7 @@
             </a:endParaRPr>
           </a:p>
           <a:p>
-            <a:pPr marL="457200" indent="-308160">
+            <a:pPr marL="457200" indent="-307080">
               <a:lnSpc>
                 <a:spcPct val="100000"/>
               </a:lnSpc>
@@ -15093,49 +15093,14 @@
               <a:buChar char=""/>
             </a:pPr>
             <a:r>
-              <a:rPr b="0" lang="en-US" sz="1300" spc="-1" strike="noStrike">
+              <a:rPr b="1" lang="en-US" sz="1300" spc="-1" strike="noStrike">
                 <a:solidFill>
                   <a:srgbClr val="595959"/>
                 </a:solidFill>
                 <a:latin typeface="Segoe Script"/>
                 <a:ea typeface="Lato"/>
               </a:rPr>
-              <a:t>SmartView Configuration</a:t>
-            </a:r>
-            <a:endParaRPr b="0" lang="en-US" sz="1300" spc="-1" strike="noStrike">
-              <a:latin typeface="Arial"/>
-            </a:endParaRPr>
-          </a:p>
-          <a:p>
-            <a:pPr>
-              <a:lnSpc>
-                <a:spcPct val="100000"/>
-              </a:lnSpc>
-            </a:pPr>
-            <a:endParaRPr b="0" lang="en-US" sz="1300" spc="-1" strike="noStrike">
-              <a:latin typeface="Arial"/>
-            </a:endParaRPr>
-          </a:p>
-          <a:p>
-            <a:pPr marL="457200" indent="-308160">
-              <a:lnSpc>
-                <a:spcPct val="100000"/>
-              </a:lnSpc>
-              <a:buClr>
-                <a:srgbClr val="595959"/>
-              </a:buClr>
-              <a:buFont typeface="Wingdings" charset="2"/>
-              <a:buChar char=""/>
-            </a:pPr>
-            <a:r>
-              <a:rPr b="0" lang="en-US" sz="1300" spc="-1" strike="noStrike">
-                <a:solidFill>
-                  <a:srgbClr val="595959"/>
-                </a:solidFill>
-                <a:latin typeface="Segoe Script"/>
-                <a:ea typeface="Lato"/>
-              </a:rPr>
-              <a:t>Build your first SmartView Report</a:t>
+              <a:t>Build a Report using Smart View</a:t>
             </a:r>
             <a:endParaRPr b="0" lang="en-US" sz="1300" spc="-1" strike="noStrike">
               <a:latin typeface="Arial"/>
@@ -15152,7 +15117,7 @@
         <p:spPr>
           <a:xfrm>
             <a:off x="6419160" y="1777680"/>
-            <a:ext cx="2352600" cy="2997000"/>
+            <a:ext cx="2351520" cy="2995920"/>
           </a:xfrm>
           <a:prstGeom prst="rect">
             <a:avLst/>
@@ -15208,7 +15173,7 @@
         <p:spPr>
           <a:xfrm>
             <a:off x="265680" y="1718280"/>
-            <a:ext cx="4042440" cy="1704240"/>
+            <a:ext cx="4041360" cy="1703160"/>
           </a:xfrm>
           <a:prstGeom prst="rect">
             <a:avLst/>
@@ -15259,7 +15224,7 @@
         <p:spPr>
           <a:xfrm>
             <a:off x="4846320" y="1463040"/>
-            <a:ext cx="4021200" cy="3022560"/>
+            <a:ext cx="4020120" cy="3021480"/>
           </a:xfrm>
           <a:prstGeom prst="rect">
             <a:avLst/>
@@ -15280,7 +15245,7 @@
             <a:noAutofit/>
           </a:bodyPr>
           <a:p>
-            <a:pPr marL="457200" indent="-308160">
+            <a:pPr marL="457200" indent="-307080">
               <a:lnSpc>
                 <a:spcPct val="115000"/>
               </a:lnSpc>
@@ -15291,7 +15256,7 @@
               <a:buChar char=""/>
             </a:pPr>
             <a:r>
-              <a:rPr b="0" lang="en-US" sz="1300" spc="-1" strike="noStrike">
+              <a:rPr b="1" lang="en-US" sz="1300" spc="-1" strike="noStrike">
                 <a:solidFill>
                   <a:srgbClr val="595959"/>
                 </a:solidFill>
@@ -15305,7 +15270,7 @@
             </a:endParaRPr>
           </a:p>
           <a:p>
-            <a:pPr marL="457200" indent="-308160">
+            <a:pPr marL="457200" indent="-307080">
               <a:lnSpc>
                 <a:spcPct val="115000"/>
               </a:lnSpc>
@@ -15319,7 +15284,7 @@
               <a:buChar char=""/>
             </a:pPr>
             <a:r>
-              <a:rPr b="0" lang="en-US" sz="1300" spc="-1" strike="noStrike">
+              <a:rPr b="1" lang="en-US" sz="1300" spc="-1" strike="noStrike">
                 <a:solidFill>
                   <a:srgbClr val="595959"/>
                 </a:solidFill>
@@ -15333,7 +15298,7 @@
             </a:endParaRPr>
           </a:p>
           <a:p>
-            <a:pPr marL="457200" indent="-308160">
+            <a:pPr marL="457200" indent="-307080">
               <a:lnSpc>
                 <a:spcPct val="115000"/>
               </a:lnSpc>
@@ -15347,7 +15312,7 @@
               <a:buChar char=""/>
             </a:pPr>
             <a:r>
-              <a:rPr b="0" lang="en-US" sz="1300" spc="-1" strike="noStrike">
+              <a:rPr b="1" lang="en-US" sz="1300" spc="-1" strike="noStrike">
                 <a:solidFill>
                   <a:srgbClr val="595959"/>
                 </a:solidFill>
@@ -15361,7 +15326,7 @@
             </a:endParaRPr>
           </a:p>
           <a:p>
-            <a:pPr marL="457200" indent="-308160">
+            <a:pPr marL="457200" indent="-307080">
               <a:lnSpc>
                 <a:spcPct val="115000"/>
               </a:lnSpc>
@@ -15375,7 +15340,7 @@
               <a:buChar char=""/>
             </a:pPr>
             <a:r>
-              <a:rPr b="0" lang="en-US" sz="1300" spc="-1" strike="noStrike">
+              <a:rPr b="1" lang="en-US" sz="1300" spc="-1" strike="noStrike">
                 <a:solidFill>
                   <a:srgbClr val="595959"/>
                 </a:solidFill>
@@ -15389,7 +15354,7 @@
             </a:endParaRPr>
           </a:p>
           <a:p>
-            <a:pPr marL="457200" indent="-308160">
+            <a:pPr marL="457200" indent="-307080">
               <a:lnSpc>
                 <a:spcPct val="115000"/>
               </a:lnSpc>
@@ -15406,7 +15371,7 @@
               <a:buChar char=""/>
             </a:pPr>
             <a:r>
-              <a:rPr b="0" lang="en-US" sz="1300" spc="-1" strike="noStrike">
+              <a:rPr b="1" lang="en-US" sz="1300" spc="-1" strike="noStrike">
                 <a:solidFill>
                   <a:srgbClr val="595959"/>
                 </a:solidFill>
@@ -15460,7 +15425,7 @@
         <p:spPr>
           <a:xfrm>
             <a:off x="265680" y="1396800"/>
-            <a:ext cx="4042440" cy="1704240"/>
+            <a:ext cx="4041360" cy="1703160"/>
           </a:xfrm>
           <a:prstGeom prst="rect">
             <a:avLst/>
@@ -15511,7 +15476,7 @@
         <p:spPr>
           <a:xfrm>
             <a:off x="4480560" y="723960"/>
-            <a:ext cx="4499640" cy="3663000"/>
+            <a:ext cx="4498560" cy="3661920"/>
           </a:xfrm>
           <a:prstGeom prst="rect">
             <a:avLst/>
@@ -15532,7 +15497,7 @@
             <a:noAutofit/>
           </a:bodyPr>
           <a:p>
-            <a:pPr marL="457200" indent="-308160">
+            <a:pPr marL="457200" indent="-307080">
               <a:lnSpc>
                 <a:spcPct val="115000"/>
               </a:lnSpc>
@@ -15567,7 +15532,7 @@
             </a:endParaRPr>
           </a:p>
           <a:p>
-            <a:pPr marL="457200" indent="-308160">
+            <a:pPr marL="457200" indent="-307080">
               <a:lnSpc>
                 <a:spcPct val="115000"/>
               </a:lnSpc>
@@ -15602,7 +15567,7 @@
             </a:endParaRPr>
           </a:p>
           <a:p>
-            <a:pPr marL="457200" indent="-308160">
+            <a:pPr marL="457200" indent="-307080">
               <a:lnSpc>
                 <a:spcPct val="115000"/>
               </a:lnSpc>
@@ -15637,7 +15602,7 @@
             </a:endParaRPr>
           </a:p>
           <a:p>
-            <a:pPr marL="457200" indent="-308160">
+            <a:pPr marL="457200" indent="-307080">
               <a:lnSpc>
                 <a:spcPct val="115000"/>
               </a:lnSpc>
@@ -15672,7 +15637,7 @@
             </a:endParaRPr>
           </a:p>
           <a:p>
-            <a:pPr marL="457200" indent="-308160">
+            <a:pPr marL="457200" indent="-307080">
               <a:lnSpc>
                 <a:spcPct val="115000"/>
               </a:lnSpc>
@@ -15707,7 +15672,7 @@
             </a:endParaRPr>
           </a:p>
           <a:p>
-            <a:pPr marL="457200" indent="-308160">
+            <a:pPr marL="457200" indent="-307080">
               <a:lnSpc>
                 <a:spcPct val="115000"/>
               </a:lnSpc>
@@ -15742,7 +15707,7 @@
             </a:endParaRPr>
           </a:p>
           <a:p>
-            <a:pPr marL="457200" indent="-308160">
+            <a:pPr marL="457200" indent="-307080">
               <a:lnSpc>
                 <a:spcPct val="115000"/>
               </a:lnSpc>
@@ -15777,7 +15742,7 @@
             </a:endParaRPr>
           </a:p>
           <a:p>
-            <a:pPr marL="457200" indent="-308160">
+            <a:pPr marL="457200" indent="-307080">
               <a:lnSpc>
                 <a:spcPct val="115000"/>
               </a:lnSpc>
@@ -15795,7 +15760,7 @@
                 <a:latin typeface="Segoe Script"/>
                 <a:ea typeface="Lato"/>
               </a:rPr>
-              <a:t>SmartView</a:t>
+              <a:t>Smart View</a:t>
             </a:r>
             <a:endParaRPr b="0" lang="en-US" sz="1100" spc="-1" strike="noStrike">
               <a:latin typeface="Arial"/>
@@ -15842,7 +15807,7 @@
         <p:spPr>
           <a:xfrm>
             <a:off x="274320" y="1188720"/>
-            <a:ext cx="7502760" cy="532440"/>
+            <a:ext cx="7501680" cy="531360"/>
           </a:xfrm>
           <a:prstGeom prst="rect">
             <a:avLst/>
@@ -15893,7 +15858,7 @@
         <p:spPr>
           <a:xfrm>
             <a:off x="172440" y="1678680"/>
-            <a:ext cx="5769000" cy="3165480"/>
+            <a:ext cx="5767920" cy="3164400"/>
           </a:xfrm>
           <a:prstGeom prst="rect">
             <a:avLst/>
@@ -15914,7 +15879,7 @@
             <a:noAutofit/>
           </a:bodyPr>
           <a:p>
-            <a:pPr marL="457200" indent="-308160">
+            <a:pPr marL="457200" indent="-307080">
               <a:lnSpc>
                 <a:spcPct val="100000"/>
               </a:lnSpc>
@@ -15925,7 +15890,7 @@
               <a:buChar char=""/>
             </a:pPr>
             <a:r>
-              <a:rPr b="0" lang="en-US" sz="1300" spc="-1" strike="noStrike">
+              <a:rPr b="1" lang="en-US" sz="1300" spc="-1" strike="noStrike">
                 <a:solidFill>
                   <a:srgbClr val="595959"/>
                 </a:solidFill>
@@ -15949,7 +15914,7 @@
             </a:endParaRPr>
           </a:p>
           <a:p>
-            <a:pPr marL="457200" indent="-308160">
+            <a:pPr marL="457200" indent="-307080">
               <a:lnSpc>
                 <a:spcPct val="100000"/>
               </a:lnSpc>
@@ -15960,7 +15925,7 @@
               <a:buChar char=""/>
             </a:pPr>
             <a:r>
-              <a:rPr b="0" lang="en-US" sz="1300" spc="-1" strike="noStrike">
+              <a:rPr b="1" lang="en-US" sz="1300" spc="-1" strike="noStrike">
                 <a:solidFill>
                   <a:srgbClr val="595959"/>
                 </a:solidFill>
@@ -15984,7 +15949,7 @@
             </a:endParaRPr>
           </a:p>
           <a:p>
-            <a:pPr marL="457200" indent="-308160">
+            <a:pPr marL="457200" indent="-307080">
               <a:lnSpc>
                 <a:spcPct val="100000"/>
               </a:lnSpc>
@@ -15995,7 +15960,7 @@
               <a:buChar char=""/>
             </a:pPr>
             <a:r>
-              <a:rPr b="0" lang="en-US" sz="1300" spc="-1" strike="noStrike">
+              <a:rPr b="1" lang="en-US" sz="1300" spc="-1" strike="noStrike">
                 <a:solidFill>
                   <a:srgbClr val="595959"/>
                 </a:solidFill>
@@ -16019,7 +15984,7 @@
             </a:endParaRPr>
           </a:p>
           <a:p>
-            <a:pPr marL="457200" indent="-308160">
+            <a:pPr marL="457200" indent="-307080">
               <a:lnSpc>
                 <a:spcPct val="100000"/>
               </a:lnSpc>
@@ -16030,7 +15995,7 @@
               <a:buChar char=""/>
             </a:pPr>
             <a:r>
-              <a:rPr b="0" lang="en-US" sz="1300" spc="-1" strike="noStrike">
+              <a:rPr b="1" lang="en-US" sz="1300" spc="-1" strike="noStrike">
                 <a:solidFill>
                   <a:srgbClr val="595959"/>
                 </a:solidFill>
@@ -16054,7 +16019,7 @@
             </a:endParaRPr>
           </a:p>
           <a:p>
-            <a:pPr marL="457200" indent="-308160">
+            <a:pPr marL="457200" indent="-307080">
               <a:lnSpc>
                 <a:spcPct val="100000"/>
               </a:lnSpc>
@@ -16065,7 +16030,7 @@
               <a:buChar char=""/>
             </a:pPr>
             <a:r>
-              <a:rPr b="0" lang="en-US" sz="1300" spc="-1" strike="noStrike">
+              <a:rPr b="1" lang="en-US" sz="1300" spc="-1" strike="noStrike">
                 <a:solidFill>
                   <a:srgbClr val="595959"/>
                 </a:solidFill>
@@ -16089,7 +16054,7 @@
             </a:endParaRPr>
           </a:p>
           <a:p>
-            <a:pPr marL="457200" indent="-308160">
+            <a:pPr marL="457200" indent="-307080">
               <a:lnSpc>
                 <a:spcPct val="100000"/>
               </a:lnSpc>
@@ -16100,7 +16065,7 @@
               <a:buChar char=""/>
             </a:pPr>
             <a:r>
-              <a:rPr b="0" lang="en-US" sz="1300" spc="-1" strike="noStrike">
+              <a:rPr b="1" lang="en-US" sz="1300" spc="-1" strike="noStrike">
                 <a:solidFill>
                   <a:srgbClr val="595959"/>
                 </a:solidFill>
@@ -16124,7 +16089,7 @@
             </a:endParaRPr>
           </a:p>
           <a:p>
-            <a:pPr marL="457200" indent="-308160">
+            <a:pPr marL="457200" indent="-307080">
               <a:lnSpc>
                 <a:spcPct val="100000"/>
               </a:lnSpc>
@@ -16135,7 +16100,7 @@
               <a:buChar char=""/>
             </a:pPr>
             <a:r>
-              <a:rPr b="0" lang="en-US" sz="1300" spc="-1" strike="noStrike">
+              <a:rPr b="1" lang="en-US" sz="1300" spc="-1" strike="noStrike">
                 <a:solidFill>
                   <a:srgbClr val="595959"/>
                 </a:solidFill>
@@ -16159,7 +16124,7 @@
             </a:endParaRPr>
           </a:p>
           <a:p>
-            <a:pPr marL="457200" indent="-308160">
+            <a:pPr marL="457200" indent="-307080">
               <a:lnSpc>
                 <a:spcPct val="100000"/>
               </a:lnSpc>
@@ -16170,7 +16135,7 @@
               <a:buChar char=""/>
             </a:pPr>
             <a:r>
-              <a:rPr b="0" lang="en-US" sz="1300" spc="-1" strike="noStrike">
+              <a:rPr b="1" lang="en-US" sz="1300" spc="-1" strike="noStrike">
                 <a:solidFill>
                   <a:srgbClr val="595959"/>
                 </a:solidFill>
@@ -16194,7 +16159,7 @@
         <p:spPr>
           <a:xfrm>
             <a:off x="6419160" y="1777680"/>
-            <a:ext cx="2352600" cy="2997000"/>
+            <a:ext cx="2351520" cy="2995920"/>
           </a:xfrm>
           <a:prstGeom prst="rect">
             <a:avLst/>
@@ -16250,7 +16215,7 @@
         <p:spPr>
           <a:xfrm>
             <a:off x="274320" y="1188720"/>
-            <a:ext cx="7502760" cy="532440"/>
+            <a:ext cx="7501680" cy="531360"/>
           </a:xfrm>
           <a:prstGeom prst="rect">
             <a:avLst/>
@@ -16301,7 +16266,7 @@
         <p:spPr>
           <a:xfrm>
             <a:off x="172440" y="1678680"/>
-            <a:ext cx="5769000" cy="3165480"/>
+            <a:ext cx="5767920" cy="3164400"/>
           </a:xfrm>
           <a:prstGeom prst="rect">
             <a:avLst/>
@@ -16322,7 +16287,7 @@
             <a:noAutofit/>
           </a:bodyPr>
           <a:p>
-            <a:pPr marL="457200" indent="-308160">
+            <a:pPr marL="457200" indent="-307080">
               <a:lnSpc>
                 <a:spcPct val="100000"/>
               </a:lnSpc>
@@ -16333,7 +16298,7 @@
               <a:buChar char=""/>
             </a:pPr>
             <a:r>
-              <a:rPr b="0" lang="en-US" sz="1300" spc="-1" strike="noStrike">
+              <a:rPr b="1" lang="en-US" sz="1300" spc="-1" strike="noStrike">
                 <a:solidFill>
                   <a:srgbClr val="595959"/>
                 </a:solidFill>
@@ -16357,7 +16322,7 @@
             </a:endParaRPr>
           </a:p>
           <a:p>
-            <a:pPr marL="457200" indent="-308160">
+            <a:pPr marL="457200" indent="-307080">
               <a:lnSpc>
                 <a:spcPct val="100000"/>
               </a:lnSpc>
@@ -16368,7 +16333,7 @@
               <a:buChar char=""/>
             </a:pPr>
             <a:r>
-              <a:rPr b="0" lang="en-US" sz="1300" spc="-1" strike="noStrike">
+              <a:rPr b="1" lang="en-US" sz="1300" spc="-1" strike="noStrike">
                 <a:solidFill>
                   <a:srgbClr val="595959"/>
                 </a:solidFill>
@@ -16392,7 +16357,7 @@
             </a:endParaRPr>
           </a:p>
           <a:p>
-            <a:pPr marL="457200" indent="-308160">
+            <a:pPr marL="457200" indent="-307080">
               <a:lnSpc>
                 <a:spcPct val="100000"/>
               </a:lnSpc>
@@ -16403,7 +16368,7 @@
               <a:buChar char=""/>
             </a:pPr>
             <a:r>
-              <a:rPr b="0" lang="en-US" sz="1300" spc="-1" strike="noStrike">
+              <a:rPr b="1" lang="en-US" sz="1300" spc="-1" strike="noStrike">
                 <a:solidFill>
                   <a:srgbClr val="595959"/>
                 </a:solidFill>
@@ -16427,7 +16392,7 @@
             </a:endParaRPr>
           </a:p>
           <a:p>
-            <a:pPr marL="457200" indent="-308160">
+            <a:pPr marL="457200" indent="-307080">
               <a:lnSpc>
                 <a:spcPct val="100000"/>
               </a:lnSpc>
@@ -16438,7 +16403,7 @@
               <a:buChar char=""/>
             </a:pPr>
             <a:r>
-              <a:rPr b="0" lang="en-US" sz="1300" spc="-1" strike="noStrike">
+              <a:rPr b="1" lang="en-US" sz="1300" spc="-1" strike="noStrike">
                 <a:solidFill>
                   <a:srgbClr val="595959"/>
                 </a:solidFill>
@@ -16462,7 +16427,7 @@
             </a:endParaRPr>
           </a:p>
           <a:p>
-            <a:pPr marL="457200" indent="-308160">
+            <a:pPr marL="457200" indent="-307080">
               <a:lnSpc>
                 <a:spcPct val="100000"/>
               </a:lnSpc>
@@ -16473,7 +16438,7 @@
               <a:buChar char=""/>
             </a:pPr>
             <a:r>
-              <a:rPr b="0" lang="en-US" sz="1300" spc="-1" strike="noStrike">
+              <a:rPr b="1" lang="en-US" sz="1300" spc="-1" strike="noStrike">
                 <a:solidFill>
                   <a:srgbClr val="595959"/>
                 </a:solidFill>
@@ -16497,7 +16462,7 @@
             </a:endParaRPr>
           </a:p>
           <a:p>
-            <a:pPr marL="457200" indent="-308160">
+            <a:pPr marL="457200" indent="-307080">
               <a:lnSpc>
                 <a:spcPct val="100000"/>
               </a:lnSpc>
@@ -16508,7 +16473,7 @@
               <a:buChar char=""/>
             </a:pPr>
             <a:r>
-              <a:rPr b="0" lang="en-US" sz="1300" spc="-1" strike="noStrike">
+              <a:rPr b="1" lang="en-US" sz="1300" spc="-1" strike="noStrike">
                 <a:solidFill>
                   <a:srgbClr val="595959"/>
                 </a:solidFill>
@@ -16532,7 +16497,7 @@
             </a:endParaRPr>
           </a:p>
           <a:p>
-            <a:pPr marL="457200" indent="-308160">
+            <a:pPr marL="457200" indent="-307080">
               <a:lnSpc>
                 <a:spcPct val="100000"/>
               </a:lnSpc>
@@ -16543,7 +16508,7 @@
               <a:buChar char=""/>
             </a:pPr>
             <a:r>
-              <a:rPr b="0" lang="en-US" sz="1300" spc="-1" strike="noStrike">
+              <a:rPr b="1" lang="en-US" sz="1300" spc="-1" strike="noStrike">
                 <a:solidFill>
                   <a:srgbClr val="595959"/>
                 </a:solidFill>
@@ -16567,7 +16532,7 @@
             </a:endParaRPr>
           </a:p>
           <a:p>
-            <a:pPr marL="457200" indent="-308160">
+            <a:pPr marL="457200" indent="-307080">
               <a:lnSpc>
                 <a:spcPct val="100000"/>
               </a:lnSpc>
@@ -16578,7 +16543,7 @@
               <a:buChar char=""/>
             </a:pPr>
             <a:r>
-              <a:rPr b="0" lang="en-US" sz="1300" spc="-1" strike="noStrike">
+              <a:rPr b="1" lang="en-US" sz="1300" spc="-1" strike="noStrike">
                 <a:solidFill>
                   <a:srgbClr val="595959"/>
                 </a:solidFill>
@@ -16602,7 +16567,7 @@
         <p:spPr>
           <a:xfrm>
             <a:off x="6419160" y="1777680"/>
-            <a:ext cx="2352600" cy="2997000"/>
+            <a:ext cx="2351520" cy="2995920"/>
           </a:xfrm>
           <a:prstGeom prst="rect">
             <a:avLst/>
@@ -16658,7 +16623,7 @@
         <p:spPr>
           <a:xfrm>
             <a:off x="274320" y="1188720"/>
-            <a:ext cx="7502760" cy="532440"/>
+            <a:ext cx="7501680" cy="531360"/>
           </a:xfrm>
           <a:prstGeom prst="rect">
             <a:avLst/>
@@ -16709,7 +16674,7 @@
         <p:spPr>
           <a:xfrm>
             <a:off x="172440" y="1678680"/>
-            <a:ext cx="6134760" cy="3165480"/>
+            <a:ext cx="6133680" cy="3164400"/>
           </a:xfrm>
           <a:prstGeom prst="rect">
             <a:avLst/>
@@ -16730,7 +16695,7 @@
             <a:noAutofit/>
           </a:bodyPr>
           <a:p>
-            <a:pPr marL="457200" indent="-308160">
+            <a:pPr marL="457200" indent="-307080">
               <a:lnSpc>
                 <a:spcPct val="100000"/>
               </a:lnSpc>
@@ -16741,7 +16706,7 @@
               <a:buChar char=""/>
             </a:pPr>
             <a:r>
-              <a:rPr b="0" lang="en-US" sz="1300" spc="-1" strike="noStrike">
+              <a:rPr b="1" lang="en-US" sz="1300" spc="-1" strike="noStrike">
                 <a:solidFill>
                   <a:srgbClr val="595959"/>
                 </a:solidFill>
@@ -16765,7 +16730,7 @@
             </a:endParaRPr>
           </a:p>
           <a:p>
-            <a:pPr marL="457200" indent="-308160">
+            <a:pPr marL="457200" indent="-307080">
               <a:lnSpc>
                 <a:spcPct val="100000"/>
               </a:lnSpc>
@@ -16776,7 +16741,7 @@
               <a:buChar char=""/>
             </a:pPr>
             <a:r>
-              <a:rPr b="0" lang="en-US" sz="1300" spc="-1" strike="noStrike">
+              <a:rPr b="1" lang="en-US" sz="1300" spc="-1" strike="noStrike">
                 <a:solidFill>
                   <a:srgbClr val="595959"/>
                 </a:solidFill>
@@ -16800,7 +16765,7 @@
             </a:endParaRPr>
           </a:p>
           <a:p>
-            <a:pPr marL="457200" indent="-308160">
+            <a:pPr marL="457200" indent="-307080">
               <a:lnSpc>
                 <a:spcPct val="100000"/>
               </a:lnSpc>
@@ -16811,7 +16776,7 @@
               <a:buChar char=""/>
             </a:pPr>
             <a:r>
-              <a:rPr b="0" lang="en-US" sz="1300" spc="-1" strike="noStrike">
+              <a:rPr b="1" lang="en-US" sz="1300" spc="-1" strike="noStrike">
                 <a:solidFill>
                   <a:srgbClr val="595959"/>
                 </a:solidFill>
@@ -16835,7 +16800,7 @@
             </a:endParaRPr>
           </a:p>
           <a:p>
-            <a:pPr marL="457200" indent="-308160">
+            <a:pPr marL="457200" indent="-307080">
               <a:lnSpc>
                 <a:spcPct val="100000"/>
               </a:lnSpc>
@@ -16846,7 +16811,7 @@
               <a:buChar char=""/>
             </a:pPr>
             <a:r>
-              <a:rPr b="0" lang="en-US" sz="1300" spc="-1" strike="noStrike">
+              <a:rPr b="1" lang="en-US" sz="1300" spc="-1" strike="noStrike">
                 <a:solidFill>
                   <a:srgbClr val="595959"/>
                 </a:solidFill>
@@ -16870,7 +16835,7 @@
             </a:endParaRPr>
           </a:p>
           <a:p>
-            <a:pPr marL="457200" indent="-308160">
+            <a:pPr marL="457200" indent="-307080">
               <a:lnSpc>
                 <a:spcPct val="100000"/>
               </a:lnSpc>
@@ -16881,7 +16846,7 @@
               <a:buChar char=""/>
             </a:pPr>
             <a:r>
-              <a:rPr b="0" lang="en-US" sz="1300" spc="-1" strike="noStrike">
+              <a:rPr b="1" lang="en-US" sz="1300" spc="-1" strike="noStrike">
                 <a:solidFill>
                   <a:srgbClr val="595959"/>
                 </a:solidFill>
@@ -16905,7 +16870,7 @@
         <p:spPr>
           <a:xfrm>
             <a:off x="6419160" y="1777680"/>
-            <a:ext cx="2352600" cy="2997000"/>
+            <a:ext cx="2351520" cy="2995920"/>
           </a:xfrm>
           <a:prstGeom prst="rect">
             <a:avLst/>
@@ -16961,7 +16926,7 @@
         <p:spPr>
           <a:xfrm>
             <a:off x="274320" y="1188720"/>
-            <a:ext cx="7502760" cy="532440"/>
+            <a:ext cx="7501680" cy="531360"/>
           </a:xfrm>
           <a:prstGeom prst="rect">
             <a:avLst/>
@@ -17012,7 +16977,7 @@
         <p:spPr>
           <a:xfrm>
             <a:off x="172440" y="1678680"/>
-            <a:ext cx="5769000" cy="3165480"/>
+            <a:ext cx="5767920" cy="3164400"/>
           </a:xfrm>
           <a:prstGeom prst="rect">
             <a:avLst/>
@@ -17033,7 +16998,7 @@
             <a:noAutofit/>
           </a:bodyPr>
           <a:p>
-            <a:pPr marL="457200" indent="-308160">
+            <a:pPr marL="457200" indent="-307080">
               <a:lnSpc>
                 <a:spcPct val="100000"/>
               </a:lnSpc>
@@ -17044,7 +17009,7 @@
               <a:buChar char=""/>
             </a:pPr>
             <a:r>
-              <a:rPr b="0" lang="en-US" sz="1300" spc="-1" strike="noStrike">
+              <a:rPr b="1" lang="en-US" sz="1300" spc="-1" strike="noStrike">
                 <a:solidFill>
                   <a:srgbClr val="595959"/>
                 </a:solidFill>
@@ -17068,7 +17033,7 @@
             </a:endParaRPr>
           </a:p>
           <a:p>
-            <a:pPr marL="457200" indent="-308160">
+            <a:pPr marL="457200" indent="-307080">
               <a:lnSpc>
                 <a:spcPct val="100000"/>
               </a:lnSpc>
@@ -17079,7 +17044,7 @@
               <a:buChar char=""/>
             </a:pPr>
             <a:r>
-              <a:rPr b="0" lang="en-US" sz="1300" spc="-1" strike="noStrike">
+              <a:rPr b="1" lang="en-US" sz="1300" spc="-1" strike="noStrike">
                 <a:solidFill>
                   <a:srgbClr val="595959"/>
                 </a:solidFill>
@@ -17103,7 +17068,7 @@
             </a:endParaRPr>
           </a:p>
           <a:p>
-            <a:pPr marL="457200" indent="-308160">
+            <a:pPr marL="457200" indent="-307080">
               <a:lnSpc>
                 <a:spcPct val="100000"/>
               </a:lnSpc>
@@ -17114,7 +17079,7 @@
               <a:buChar char=""/>
             </a:pPr>
             <a:r>
-              <a:rPr b="0" lang="en-US" sz="1300" spc="-1" strike="noStrike">
+              <a:rPr b="1" lang="en-US" sz="1300" spc="-1" strike="noStrike">
                 <a:solidFill>
                   <a:srgbClr val="595959"/>
                 </a:solidFill>
@@ -17138,7 +17103,7 @@
         <p:spPr>
           <a:xfrm>
             <a:off x="6419160" y="1777680"/>
-            <a:ext cx="2352600" cy="2997000"/>
+            <a:ext cx="2351520" cy="2995920"/>
           </a:xfrm>
           <a:prstGeom prst="rect">
             <a:avLst/>
@@ -17194,7 +17159,7 @@
         <p:spPr>
           <a:xfrm>
             <a:off x="274320" y="1188720"/>
-            <a:ext cx="7502760" cy="532440"/>
+            <a:ext cx="7501680" cy="531360"/>
           </a:xfrm>
           <a:prstGeom prst="rect">
             <a:avLst/>
@@ -17245,7 +17210,7 @@
         <p:spPr>
           <a:xfrm>
             <a:off x="172440" y="1678680"/>
-            <a:ext cx="5769000" cy="3165480"/>
+            <a:ext cx="5767920" cy="3164400"/>
           </a:xfrm>
           <a:prstGeom prst="rect">
             <a:avLst/>
@@ -17266,7 +17231,7 @@
             <a:noAutofit/>
           </a:bodyPr>
           <a:p>
-            <a:pPr marL="457200" indent="-308160">
+            <a:pPr marL="457200" indent="-307080">
               <a:lnSpc>
                 <a:spcPct val="100000"/>
               </a:lnSpc>
@@ -17277,7 +17242,7 @@
               <a:buChar char=""/>
             </a:pPr>
             <a:r>
-              <a:rPr b="0" lang="en-US" sz="1300" spc="-1" strike="noStrike">
+              <a:rPr b="1" lang="en-US" sz="1300" spc="-1" strike="noStrike">
                 <a:solidFill>
                   <a:srgbClr val="595959"/>
                 </a:solidFill>
@@ -17301,7 +17266,7 @@
             </a:endParaRPr>
           </a:p>
           <a:p>
-            <a:pPr marL="457200" indent="-308160">
+            <a:pPr marL="457200" indent="-307080">
               <a:lnSpc>
                 <a:spcPct val="100000"/>
               </a:lnSpc>
@@ -17312,7 +17277,7 @@
               <a:buChar char=""/>
             </a:pPr>
             <a:r>
-              <a:rPr b="0" lang="en-US" sz="1300" spc="-1" strike="noStrike">
+              <a:rPr b="1" lang="en-US" sz="1300" spc="-1" strike="noStrike">
                 <a:solidFill>
                   <a:srgbClr val="595959"/>
                 </a:solidFill>
@@ -17336,7 +17301,7 @@
             </a:endParaRPr>
           </a:p>
           <a:p>
-            <a:pPr marL="457200" indent="-308160">
+            <a:pPr marL="457200" indent="-307080">
               <a:lnSpc>
                 <a:spcPct val="100000"/>
               </a:lnSpc>
@@ -17347,7 +17312,7 @@
               <a:buChar char=""/>
             </a:pPr>
             <a:r>
-              <a:rPr b="0" lang="en-US" sz="1300" spc="-1" strike="noStrike">
+              <a:rPr b="1" lang="en-US" sz="1300" spc="-1" strike="noStrike">
                 <a:solidFill>
                   <a:srgbClr val="595959"/>
                 </a:solidFill>
@@ -17371,7 +17336,7 @@
             </a:endParaRPr>
           </a:p>
           <a:p>
-            <a:pPr marL="457200" indent="-308160">
+            <a:pPr marL="457200" indent="-307080">
               <a:lnSpc>
                 <a:spcPct val="100000"/>
               </a:lnSpc>
@@ -17382,7 +17347,7 @@
               <a:buChar char=""/>
             </a:pPr>
             <a:r>
-              <a:rPr b="0" lang="en-US" sz="1300" spc="-1" strike="noStrike">
+              <a:rPr b="1" lang="en-US" sz="1300" spc="-1" strike="noStrike">
                 <a:solidFill>
                   <a:srgbClr val="595959"/>
                 </a:solidFill>
@@ -17406,7 +17371,7 @@
             </a:endParaRPr>
           </a:p>
           <a:p>
-            <a:pPr marL="457200" indent="-308160">
+            <a:pPr marL="457200" indent="-307080">
               <a:lnSpc>
                 <a:spcPct val="100000"/>
               </a:lnSpc>
@@ -17417,7 +17382,7 @@
               <a:buChar char=""/>
             </a:pPr>
             <a:r>
-              <a:rPr b="0" lang="en-US" sz="1300" spc="-1" strike="noStrike">
+              <a:rPr b="1" lang="en-US" sz="1300" spc="-1" strike="noStrike">
                 <a:solidFill>
                   <a:srgbClr val="595959"/>
                 </a:solidFill>
@@ -17441,7 +17406,7 @@
             </a:endParaRPr>
           </a:p>
           <a:p>
-            <a:pPr marL="457200" indent="-308160">
+            <a:pPr marL="457200" indent="-307080">
               <a:lnSpc>
                 <a:spcPct val="100000"/>
               </a:lnSpc>
@@ -17452,7 +17417,7 @@
               <a:buChar char=""/>
             </a:pPr>
             <a:r>
-              <a:rPr b="0" lang="en-US" sz="1300" spc="-1" strike="noStrike">
+              <a:rPr b="1" lang="en-US" sz="1300" spc="-1" strike="noStrike">
                 <a:solidFill>
                   <a:srgbClr val="595959"/>
                 </a:solidFill>
@@ -17476,7 +17441,7 @@
             </a:endParaRPr>
           </a:p>
           <a:p>
-            <a:pPr marL="457200" indent="-308160">
+            <a:pPr marL="457200" indent="-307080">
               <a:lnSpc>
                 <a:spcPct val="100000"/>
               </a:lnSpc>
@@ -17487,7 +17452,7 @@
               <a:buChar char=""/>
             </a:pPr>
             <a:r>
-              <a:rPr b="0" lang="en-US" sz="1300" spc="-1" strike="noStrike">
+              <a:rPr b="1" lang="en-US" sz="1300" spc="-1" strike="noStrike">
                 <a:solidFill>
                   <a:srgbClr val="595959"/>
                 </a:solidFill>
@@ -17511,7 +17476,7 @@
             </a:endParaRPr>
           </a:p>
           <a:p>
-            <a:pPr marL="457200" indent="-308160">
+            <a:pPr marL="457200" indent="-307080">
               <a:lnSpc>
                 <a:spcPct val="100000"/>
               </a:lnSpc>
@@ -17522,7 +17487,7 @@
               <a:buChar char=""/>
             </a:pPr>
             <a:r>
-              <a:rPr b="0" lang="en-US" sz="1300" spc="-1" strike="noStrike">
+              <a:rPr b="1" lang="en-US" sz="1300" spc="-1" strike="noStrike">
                 <a:solidFill>
                   <a:srgbClr val="595959"/>
                 </a:solidFill>
@@ -17546,7 +17511,7 @@
         <p:spPr>
           <a:xfrm>
             <a:off x="6419160" y="1777680"/>
-            <a:ext cx="2352600" cy="2997000"/>
+            <a:ext cx="2351520" cy="2995920"/>
           </a:xfrm>
           <a:prstGeom prst="rect">
             <a:avLst/>
@@ -17602,7 +17567,7 @@
         <p:spPr>
           <a:xfrm>
             <a:off x="274320" y="1188720"/>
-            <a:ext cx="7502760" cy="532440"/>
+            <a:ext cx="7501680" cy="531360"/>
           </a:xfrm>
           <a:prstGeom prst="rect">
             <a:avLst/>
@@ -17653,7 +17618,7 @@
         <p:spPr>
           <a:xfrm>
             <a:off x="172440" y="1678680"/>
-            <a:ext cx="7232760" cy="3165480"/>
+            <a:ext cx="7231680" cy="3164400"/>
           </a:xfrm>
           <a:prstGeom prst="rect">
             <a:avLst/>
@@ -17674,7 +17639,7 @@
             <a:noAutofit/>
           </a:bodyPr>
           <a:p>
-            <a:pPr marL="457200" indent="-308160">
+            <a:pPr marL="457200" indent="-307080">
               <a:lnSpc>
                 <a:spcPct val="100000"/>
               </a:lnSpc>
@@ -17685,7 +17650,7 @@
               <a:buChar char=""/>
             </a:pPr>
             <a:r>
-              <a:rPr b="0" lang="en-US" sz="1300" spc="-1" strike="noStrike">
+              <a:rPr b="1" lang="en-US" sz="1300" spc="-1" strike="noStrike">
                 <a:solidFill>
                   <a:srgbClr val="595959"/>
                 </a:solidFill>
@@ -17709,7 +17674,7 @@
             </a:endParaRPr>
           </a:p>
           <a:p>
-            <a:pPr marL="457200" indent="-308160">
+            <a:pPr marL="457200" indent="-307080">
               <a:lnSpc>
                 <a:spcPct val="100000"/>
               </a:lnSpc>
@@ -17720,7 +17685,7 @@
               <a:buChar char=""/>
             </a:pPr>
             <a:r>
-              <a:rPr b="0" lang="en-US" sz="1300" spc="-1" strike="noStrike">
+              <a:rPr b="1" lang="en-US" sz="1300" spc="-1" strike="noStrike">
                 <a:solidFill>
                   <a:srgbClr val="595959"/>
                 </a:solidFill>
@@ -17744,7 +17709,7 @@
             </a:endParaRPr>
           </a:p>
           <a:p>
-            <a:pPr marL="457200" indent="-308160">
+            <a:pPr marL="457200" indent="-307080">
               <a:lnSpc>
                 <a:spcPct val="100000"/>
               </a:lnSpc>
@@ -17755,14 +17720,14 @@
               <a:buChar char=""/>
             </a:pPr>
             <a:r>
-              <a:rPr b="0" lang="en-US" sz="1300" spc="-1" strike="noStrike">
+              <a:rPr b="1" lang="en-US" sz="1300" spc="-1" strike="noStrike">
                 <a:solidFill>
                   <a:srgbClr val="595959"/>
                 </a:solidFill>
                 <a:latin typeface="Segoe Script"/>
                 <a:ea typeface="Lato"/>
               </a:rPr>
-              <a:t>Create your first BICC Extract</a:t>
+              <a:t>Create your first BICC Extract (Full)</a:t>
             </a:r>
             <a:endParaRPr b="0" lang="en-US" sz="1300" spc="-1" strike="noStrike">
               <a:latin typeface="Arial"/>
@@ -17779,7 +17744,7 @@
             </a:endParaRPr>
           </a:p>
           <a:p>
-            <a:pPr marL="457200" indent="-308160">
+            <a:pPr marL="457200" indent="-307080">
               <a:lnSpc>
                 <a:spcPct val="100000"/>
               </a:lnSpc>
@@ -17790,14 +17755,14 @@
               <a:buChar char=""/>
             </a:pPr>
             <a:r>
-              <a:rPr b="0" lang="en-US" sz="1300" spc="-1" strike="noStrike">
+              <a:rPr b="1" lang="en-US" sz="1300" spc="-1" strike="noStrike">
                 <a:solidFill>
                   <a:srgbClr val="595959"/>
                 </a:solidFill>
                 <a:latin typeface="Segoe Script"/>
                 <a:ea typeface="Lato"/>
               </a:rPr>
-              <a:t>Download Extracts</a:t>
+              <a:t>Run for Incremental Extracts</a:t>
             </a:r>
             <a:endParaRPr b="0" lang="en-US" sz="1300" spc="-1" strike="noStrike">
               <a:latin typeface="Arial"/>
@@ -17814,7 +17779,7 @@
             </a:endParaRPr>
           </a:p>
           <a:p>
-            <a:pPr marL="457200" indent="-308160">
+            <a:pPr marL="457200" indent="-307080">
               <a:lnSpc>
                 <a:spcPct val="100000"/>
               </a:lnSpc>
@@ -17825,42 +17790,7 @@
               <a:buChar char=""/>
             </a:pPr>
             <a:r>
-              <a:rPr b="0" lang="en-US" sz="1300" spc="-1" strike="noStrike">
-                <a:solidFill>
-                  <a:srgbClr val="595959"/>
-                </a:solidFill>
-                <a:latin typeface="Segoe Script"/>
-                <a:ea typeface="Lato"/>
-              </a:rPr>
-              <a:t>Full vs Incremental Extracts</a:t>
-            </a:r>
-            <a:endParaRPr b="0" lang="en-US" sz="1300" spc="-1" strike="noStrike">
-              <a:latin typeface="Arial"/>
-            </a:endParaRPr>
-          </a:p>
-          <a:p>
-            <a:pPr>
-              <a:lnSpc>
-                <a:spcPct val="100000"/>
-              </a:lnSpc>
-            </a:pPr>
-            <a:endParaRPr b="0" lang="en-US" sz="1300" spc="-1" strike="noStrike">
-              <a:latin typeface="Arial"/>
-            </a:endParaRPr>
-          </a:p>
-          <a:p>
-            <a:pPr marL="457200" indent="-308160">
-              <a:lnSpc>
-                <a:spcPct val="100000"/>
-              </a:lnSpc>
-              <a:buClr>
-                <a:srgbClr val="595959"/>
-              </a:buClr>
-              <a:buFont typeface="Wingdings" charset="2"/>
-              <a:buChar char=""/>
-            </a:pPr>
-            <a:r>
-              <a:rPr b="0" lang="en-US" sz="1300" spc="-1" strike="noStrike">
+              <a:rPr b="1" lang="en-US" sz="1300" spc="-1" strike="noStrike">
                 <a:solidFill>
                   <a:srgbClr val="595959"/>
                 </a:solidFill>
@@ -17884,7 +17814,7 @@
         <p:spPr>
           <a:xfrm>
             <a:off x="6419160" y="1777680"/>
-            <a:ext cx="2352600" cy="2997000"/>
+            <a:ext cx="2351520" cy="2995920"/>
           </a:xfrm>
           <a:prstGeom prst="rect">
             <a:avLst/>
@@ -17940,7 +17870,7 @@
         <p:spPr>
           <a:xfrm>
             <a:off x="274320" y="1188720"/>
-            <a:ext cx="7502760" cy="532440"/>
+            <a:ext cx="7501680" cy="531360"/>
           </a:xfrm>
           <a:prstGeom prst="rect">
             <a:avLst/>
@@ -17991,7 +17921,7 @@
         <p:spPr>
           <a:xfrm>
             <a:off x="172440" y="1678680"/>
-            <a:ext cx="5769000" cy="3165480"/>
+            <a:ext cx="5767920" cy="3164400"/>
           </a:xfrm>
           <a:prstGeom prst="rect">
             <a:avLst/>
@@ -18012,7 +17942,7 @@
             <a:noAutofit/>
           </a:bodyPr>
           <a:p>
-            <a:pPr marL="457200" indent="-308160">
+            <a:pPr marL="457200" indent="-307080">
               <a:lnSpc>
                 <a:spcPct val="100000"/>
               </a:lnSpc>
@@ -18023,7 +17953,7 @@
               <a:buChar char=""/>
             </a:pPr>
             <a:r>
-              <a:rPr b="0" lang="en-US" sz="1300" spc="-1" strike="noStrike">
+              <a:rPr b="1" lang="en-US" sz="1300" spc="-1" strike="noStrike">
                 <a:solidFill>
                   <a:srgbClr val="595959"/>
                 </a:solidFill>
@@ -18047,7 +17977,7 @@
             </a:endParaRPr>
           </a:p>
           <a:p>
-            <a:pPr marL="457200" indent="-308160">
+            <a:pPr marL="457200" indent="-307080">
               <a:lnSpc>
                 <a:spcPct val="100000"/>
               </a:lnSpc>
@@ -18058,14 +17988,14 @@
               <a:buChar char=""/>
             </a:pPr>
             <a:r>
-              <a:rPr b="0" lang="en-US" sz="1300" spc="-1" strike="noStrike">
+              <a:rPr b="1" lang="en-US" sz="1300" spc="-1" strike="noStrike">
                 <a:solidFill>
                   <a:srgbClr val="595959"/>
                 </a:solidFill>
                 <a:latin typeface="Segoe Script"/>
                 <a:ea typeface="Lato"/>
               </a:rPr>
-              <a:t>FRS Configuration</a:t>
+              <a:t>Configure FRS &amp; Understand it’s components</a:t>
             </a:r>
             <a:endParaRPr b="0" lang="en-US" sz="1300" spc="-1" strike="noStrike">
               <a:latin typeface="Arial"/>
@@ -18082,7 +18012,7 @@
             </a:endParaRPr>
           </a:p>
           <a:p>
-            <a:pPr marL="457200" indent="-308160">
+            <a:pPr marL="457200" indent="-307080">
               <a:lnSpc>
                 <a:spcPct val="100000"/>
               </a:lnSpc>
@@ -18093,15 +18023,95 @@
               <a:buChar char=""/>
             </a:pPr>
             <a:r>
-              <a:rPr b="0" lang="en-US" sz="1300" spc="-1" strike="noStrike">
+              <a:rPr b="1" lang="en-US" sz="1300" spc="-1" strike="noStrike">
                 <a:solidFill>
                   <a:srgbClr val="595959"/>
                 </a:solidFill>
                 <a:latin typeface="Segoe Script"/>
                 <a:ea typeface="Lato"/>
               </a:rPr>
-              <a:t>Develop your first FRS Report</a:t>
+              <a:t>Develop your first Report using FRS</a:t>
             </a:r>
+            <a:endParaRPr b="0" lang="en-US" sz="1300" spc="-1" strike="noStrike">
+              <a:latin typeface="Arial"/>
+            </a:endParaRPr>
+          </a:p>
+          <a:p>
+            <a:pPr>
+              <a:lnSpc>
+                <a:spcPct val="100000"/>
+              </a:lnSpc>
+            </a:pPr>
+            <a:endParaRPr b="0" lang="en-US" sz="1300" spc="-1" strike="noStrike">
+              <a:latin typeface="Arial"/>
+            </a:endParaRPr>
+          </a:p>
+          <a:p>
+            <a:pPr marL="457200" indent="-307080">
+              <a:lnSpc>
+                <a:spcPct val="100000"/>
+              </a:lnSpc>
+              <a:buClr>
+                <a:srgbClr val="595959"/>
+              </a:buClr>
+              <a:buFont typeface="Wingdings" charset="2"/>
+              <a:buChar char=""/>
+            </a:pPr>
+            <a:r>
+              <a:rPr b="1" lang="en-US" sz="1300" spc="-1" strike="noStrike">
+                <a:solidFill>
+                  <a:srgbClr val="595959"/>
+                </a:solidFill>
+                <a:latin typeface="Segoe Script"/>
+                <a:ea typeface="Lato"/>
+              </a:rPr>
+              <a:t>Do More with FRS – Part1</a:t>
+            </a:r>
+            <a:endParaRPr b="0" lang="en-US" sz="1300" spc="-1" strike="noStrike">
+              <a:latin typeface="Arial"/>
+            </a:endParaRPr>
+          </a:p>
+          <a:p>
+            <a:pPr>
+              <a:lnSpc>
+                <a:spcPct val="100000"/>
+              </a:lnSpc>
+            </a:pPr>
+            <a:endParaRPr b="0" lang="en-US" sz="1300" spc="-1" strike="noStrike">
+              <a:latin typeface="Arial"/>
+            </a:endParaRPr>
+          </a:p>
+          <a:p>
+            <a:pPr marL="457200" indent="-307080">
+              <a:lnSpc>
+                <a:spcPct val="100000"/>
+              </a:lnSpc>
+              <a:buClr>
+                <a:srgbClr val="595959"/>
+              </a:buClr>
+              <a:buFont typeface="Wingdings" charset="2"/>
+              <a:buChar char=""/>
+            </a:pPr>
+            <a:r>
+              <a:rPr b="1" lang="en-US" sz="1300" spc="-1" strike="noStrike">
+                <a:solidFill>
+                  <a:srgbClr val="595959"/>
+                </a:solidFill>
+                <a:latin typeface="Segoe Script"/>
+                <a:ea typeface="Lato"/>
+              </a:rPr>
+              <a:t>Do More with FRS – Part2</a:t>
+            </a:r>
+            <a:endParaRPr b="0" lang="en-US" sz="1300" spc="-1" strike="noStrike">
+              <a:latin typeface="Arial"/>
+            </a:endParaRPr>
+          </a:p>
+          <a:p>
+            <a:pPr>
+              <a:lnSpc>
+                <a:spcPct val="100000"/>
+              </a:lnSpc>
+            </a:pPr>
             <a:endParaRPr b="0" lang="en-US" sz="1300" spc="-1" strike="noStrike">
               <a:latin typeface="Arial"/>
             </a:endParaRPr>
@@ -18117,7 +18127,7 @@
         <p:spPr>
           <a:xfrm>
             <a:off x="6419160" y="1777680"/>
-            <a:ext cx="2352600" cy="2997000"/>
+            <a:ext cx="2351520" cy="2995920"/>
           </a:xfrm>
           <a:prstGeom prst="rect">
             <a:avLst/>
